--- a/matsuoka/1.1 Liner Regression/1.1. Liner Regressor.pptx
+++ b/matsuoka/1.1 Liner Regression/1.1. Liner Regressor.pptx
@@ -218,7 +218,7 @@
           <a:p>
             <a:fld id="{35AF1AB0-152F-4944-8B0B-D6AC80456478}" type="datetimeFigureOut">
               <a:rPr kumimoji="1" lang="ja-JP" altLang="en-US" smtClean="0"/>
-              <a:t>2018/12/19</a:t>
+              <a:t>2018/12/23</a:t>
             </a:fld>
             <a:endParaRPr kumimoji="1" lang="ja-JP" altLang="en-US"/>
           </a:p>
@@ -705,7 +705,7 @@
           <a:p>
             <a:fld id="{9162DFDF-7161-450E-AA25-87B734D9927A}" type="datetime1">
               <a:rPr kumimoji="1" lang="ja-JP" altLang="en-US" smtClean="0"/>
-              <a:t>2018/12/19</a:t>
+              <a:t>2018/12/23</a:t>
             </a:fld>
             <a:endParaRPr kumimoji="1" lang="ja-JP" altLang="en-US"/>
           </a:p>
@@ -937,7 +937,7 @@
           <a:p>
             <a:fld id="{05170B31-FCB0-4503-B8DD-4901361C2F6F}" type="datetime1">
               <a:rPr kumimoji="1" lang="ja-JP" altLang="en-US" smtClean="0"/>
-              <a:t>2018/12/19</a:t>
+              <a:t>2018/12/23</a:t>
             </a:fld>
             <a:endParaRPr kumimoji="1" lang="ja-JP" altLang="en-US"/>
           </a:p>
@@ -1144,7 +1144,7 @@
           <a:p>
             <a:fld id="{A285A42D-9368-4BB8-90BE-0F899494FD93}" type="datetime1">
               <a:rPr kumimoji="1" lang="ja-JP" altLang="en-US" smtClean="0"/>
-              <a:t>2018/12/19</a:t>
+              <a:t>2018/12/23</a:t>
             </a:fld>
             <a:endParaRPr kumimoji="1" lang="ja-JP" altLang="en-US"/>
           </a:p>
@@ -1341,7 +1341,7 @@
           <a:p>
             <a:fld id="{AC56DD09-0C5E-431E-AADA-074A2AD145DD}" type="datetime1">
               <a:rPr kumimoji="1" lang="ja-JP" altLang="en-US" smtClean="0"/>
-              <a:t>2018/12/19</a:t>
+              <a:t>2018/12/23</a:t>
             </a:fld>
             <a:endParaRPr kumimoji="1" lang="ja-JP" altLang="en-US"/>
           </a:p>
@@ -1589,7 +1589,7 @@
           <a:p>
             <a:fld id="{E3F455DD-B8CA-4C30-97FD-952368997C4F}" type="datetime1">
               <a:rPr kumimoji="1" lang="ja-JP" altLang="en-US" smtClean="0"/>
-              <a:t>2018/12/19</a:t>
+              <a:t>2018/12/23</a:t>
             </a:fld>
             <a:endParaRPr kumimoji="1" lang="ja-JP" altLang="en-US"/>
           </a:p>
@@ -1971,7 +1971,7 @@
           <a:p>
             <a:fld id="{6AD42BE7-B330-4BC3-BB4C-EE0029A16A41}" type="datetime1">
               <a:rPr kumimoji="1" lang="ja-JP" altLang="en-US" smtClean="0"/>
-              <a:t>2018/12/19</a:t>
+              <a:t>2018/12/23</a:t>
             </a:fld>
             <a:endParaRPr kumimoji="1" lang="ja-JP" altLang="en-US"/>
           </a:p>
@@ -2501,7 +2501,7 @@
           <a:p>
             <a:fld id="{68A324F7-1AF9-496C-9147-148D735ACB58}" type="datetime1">
               <a:rPr kumimoji="1" lang="ja-JP" altLang="en-US" smtClean="0"/>
-              <a:t>2018/12/19</a:t>
+              <a:t>2018/12/23</a:t>
             </a:fld>
             <a:endParaRPr kumimoji="1" lang="ja-JP" altLang="en-US"/>
           </a:p>
@@ -2649,7 +2649,7 @@
           <a:p>
             <a:fld id="{27AA0BA3-AB01-4609-88A0-55AAC0CC76BD}" type="datetime1">
               <a:rPr kumimoji="1" lang="ja-JP" altLang="en-US" smtClean="0"/>
-              <a:t>2018/12/19</a:t>
+              <a:t>2018/12/23</a:t>
             </a:fld>
             <a:endParaRPr kumimoji="1" lang="ja-JP" altLang="en-US"/>
           </a:p>
@@ -2739,7 +2739,7 @@
           <a:p>
             <a:fld id="{0CFBF5D4-B5CC-4467-B796-C67F515DE3C5}" type="datetime1">
               <a:rPr kumimoji="1" lang="ja-JP" altLang="en-US" smtClean="0"/>
-              <a:t>2018/12/19</a:t>
+              <a:t>2018/12/23</a:t>
             </a:fld>
             <a:endParaRPr kumimoji="1" lang="ja-JP" altLang="en-US"/>
           </a:p>
@@ -3045,7 +3045,7 @@
           <a:p>
             <a:fld id="{A0163980-AAA3-47F9-A262-0D3864F1B223}" type="datetime1">
               <a:rPr kumimoji="1" lang="ja-JP" altLang="en-US" smtClean="0"/>
-              <a:t>2018/12/19</a:t>
+              <a:t>2018/12/23</a:t>
             </a:fld>
             <a:endParaRPr kumimoji="1" lang="ja-JP" altLang="en-US"/>
           </a:p>
@@ -3350,7 +3350,7 @@
           <a:p>
             <a:fld id="{848859B9-DC56-434E-8346-7979ED5DF987}" type="datetime1">
               <a:rPr kumimoji="1" lang="ja-JP" altLang="en-US" smtClean="0"/>
-              <a:t>2018/12/19</a:t>
+              <a:t>2018/12/23</a:t>
             </a:fld>
             <a:endParaRPr kumimoji="1" lang="ja-JP" altLang="en-US"/>
           </a:p>
@@ -3680,7 +3680,7 @@
           <a:p>
             <a:fld id="{8A9F02A4-63CC-4654-A6E7-8D37C032D0CA}" type="datetime1">
               <a:rPr kumimoji="1" lang="ja-JP" altLang="en-US" smtClean="0"/>
-              <a:t>2018/12/19</a:t>
+              <a:t>2018/12/23</a:t>
             </a:fld>
             <a:endParaRPr kumimoji="1" lang="ja-JP" altLang="en-US"/>
           </a:p>
@@ -5026,6 +5026,17 @@
             <a:r>
               <a:rPr lang="ja-JP" altLang="en-US" dirty="0"/>
               <a:t>特徴量が多く、その中で重要なものが少ないような場合は他のアルゴリズムを適用したほうがよい</a:t>
+            </a:r>
+            <a:endParaRPr lang="en-US" altLang="ja-JP" dirty="0"/>
+          </a:p>
+          <a:p>
+            <a:pPr lvl="1"/>
+            <a:endParaRPr lang="en-US" altLang="ja-JP" dirty="0"/>
+          </a:p>
+          <a:p>
+            <a:r>
+              <a:rPr lang="ja-JP" altLang="en-US" dirty="0"/>
+              <a:t>カテゴリ変数を含まないもの</a:t>
             </a:r>
             <a:endParaRPr lang="en-US" altLang="ja-JP" dirty="0"/>
           </a:p>
